--- a/A Genetic Algorithm for Efficiently Connecting Cities.pptx
+++ b/A Genetic Algorithm for Efficiently Connecting Cities.pptx
@@ -17,7 +17,10 @@
     <p:sldId id="266" r:id="rId11"/>
     <p:sldId id="267" r:id="rId12"/>
     <p:sldId id="269" r:id="rId13"/>
-    <p:sldId id="270" r:id="rId14"/>
+    <p:sldId id="273" r:id="rId14"/>
+    <p:sldId id="272" r:id="rId15"/>
+    <p:sldId id="270" r:id="rId16"/>
+    <p:sldId id="271" r:id="rId17"/>
   </p:sldIdLst>
   <p:sldSz cx="12192000" cy="6858000"/>
   <p:notesSz cx="6858000" cy="9144000"/>
@@ -116,6 +119,11 @@
       </a:defRPr>
     </a:lvl9pPr>
   </p:defaultTextStyle>
+  <p:extLst>
+    <p:ext uri="{EFAFB233-063F-42B5-8137-9DF3F51BA10A}">
+      <p15:sldGuideLst xmlns:p15="http://schemas.microsoft.com/office/powerpoint/2012/main"/>
+    </p:ext>
+  </p:extLst>
 </p:presentation>
 </file>
 
@@ -1091,15 +1099,15 @@
       </dgm:t>
     </dgm:pt>
     <dgm:pt modelId="{595CE3C1-4E54-494E-9D1A-22C46DABD2C9}">
-      <dgm:prSet/>
+      <dgm:prSet custT="1"/>
       <dgm:spPr/>
       <dgm:t>
         <a:bodyPr/>
         <a:lstStyle/>
         <a:p>
           <a:r>
-            <a:rPr lang="en-US"/>
-            <a:t>Performance: For input of size SIZE HERE, the algorithm ran in TIME IT TOOK TO RUN</a:t>
+            <a:rPr lang="en-US" sz="2400" dirty="0"/>
+            <a:t>Performance: For input of size 10 x 10 x N generations with a mutate factor of 0.1, the algorithm ran in 6.5 to 7.5 minutes</a:t>
           </a:r>
         </a:p>
       </dgm:t>
@@ -1271,7 +1279,7 @@
       </dsp:nvSpPr>
       <dsp:spPr>
         <a:xfrm>
-          <a:off x="1519199" y="153905"/>
+          <a:off x="1519199" y="147004"/>
           <a:ext cx="1944000" cy="1944000"/>
         </a:xfrm>
         <a:prstGeom prst="rect">
@@ -1320,8 +1328,8 @@
       </dsp:nvSpPr>
       <dsp:spPr>
         <a:xfrm>
-          <a:off x="331199" y="2619674"/>
-          <a:ext cx="4320000" cy="1012500"/>
+          <a:off x="331199" y="2672259"/>
+          <a:ext cx="4320000" cy="1349670"/>
         </a:xfrm>
         <a:prstGeom prst="rect">
           <a:avLst/>
@@ -1369,8 +1377,8 @@
         </a:p>
       </dsp:txBody>
       <dsp:txXfrm>
-        <a:off x="331199" y="2619674"/>
-        <a:ext cx="4320000" cy="1012500"/>
+        <a:off x="331199" y="2672259"/>
+        <a:ext cx="4320000" cy="1349670"/>
       </dsp:txXfrm>
     </dsp:sp>
     <dsp:sp modelId="{62A4EC55-FC07-477C-BA8C-AF58EEF4D122}">
@@ -1380,7 +1388,7 @@
       </dsp:nvSpPr>
       <dsp:spPr>
         <a:xfrm>
-          <a:off x="6595199" y="153905"/>
+          <a:off x="6595199" y="147004"/>
           <a:ext cx="1944000" cy="1944000"/>
         </a:xfrm>
         <a:prstGeom prst="rect">
@@ -1429,8 +1437,8 @@
       </dsp:nvSpPr>
       <dsp:spPr>
         <a:xfrm>
-          <a:off x="5407199" y="2619674"/>
-          <a:ext cx="4320000" cy="1012500"/>
+          <a:off x="5407199" y="2672259"/>
+          <a:ext cx="4320000" cy="1349670"/>
         </a:xfrm>
         <a:prstGeom prst="rect">
           <a:avLst/>
@@ -1472,14 +1480,14 @@
             <a:buNone/>
           </a:pPr>
           <a:r>
-            <a:rPr lang="en-US" sz="2400" kern="1200"/>
-            <a:t>Performance: For input of size SIZE HERE, the algorithm ran in TIME IT TOOK TO RUN</a:t>
+            <a:rPr lang="en-US" sz="2400" kern="1200" dirty="0"/>
+            <a:t>Performance: For input of size 10 x 10 x N generations with a mutate factor of 0.1, the algorithm ran in 6.5 to 7.5 minutes</a:t>
           </a:r>
         </a:p>
       </dsp:txBody>
       <dsp:txXfrm>
-        <a:off x="5407199" y="2619674"/>
-        <a:ext cx="4320000" cy="1012500"/>
+        <a:off x="5407199" y="2672259"/>
+        <a:ext cx="4320000" cy="1349670"/>
       </dsp:txXfrm>
     </dsp:sp>
   </dsp:spTree>
@@ -2936,7 +2944,7 @@
           <a:p>
             <a:fld id="{D63FAB67-ABD2-4ED9-8E61-D44964D0F135}" type="datetimeFigureOut">
               <a:rPr lang="en-US" smtClean="0"/>
-              <a:t>5/1/2019</a:t>
+              <a:t>5/3/2019</a:t>
             </a:fld>
             <a:endParaRPr lang="en-US"/>
           </a:p>
@@ -3144,7 +3152,7 @@
           <a:p>
             <a:fld id="{D63FAB67-ABD2-4ED9-8E61-D44964D0F135}" type="datetimeFigureOut">
               <a:rPr lang="en-US" smtClean="0"/>
-              <a:t>5/1/2019</a:t>
+              <a:t>5/3/2019</a:t>
             </a:fld>
             <a:endParaRPr lang="en-US"/>
           </a:p>
@@ -3400,7 +3408,7 @@
           <a:p>
             <a:fld id="{D63FAB67-ABD2-4ED9-8E61-D44964D0F135}" type="datetimeFigureOut">
               <a:rPr lang="en-US" smtClean="0"/>
-              <a:t>5/1/2019</a:t>
+              <a:t>5/3/2019</a:t>
             </a:fld>
             <a:endParaRPr lang="en-US"/>
           </a:p>
@@ -3570,7 +3578,7 @@
           <a:p>
             <a:fld id="{D63FAB67-ABD2-4ED9-8E61-D44964D0F135}" type="datetimeFigureOut">
               <a:rPr lang="en-US" smtClean="0"/>
-              <a:t>5/1/2019</a:t>
+              <a:t>5/3/2019</a:t>
             </a:fld>
             <a:endParaRPr lang="en-US"/>
           </a:p>
@@ -3913,7 +3921,7 @@
           <a:p>
             <a:fld id="{D63FAB67-ABD2-4ED9-8E61-D44964D0F135}" type="datetimeFigureOut">
               <a:rPr lang="en-US" smtClean="0"/>
-              <a:t>5/1/2019</a:t>
+              <a:t>5/3/2019</a:t>
             </a:fld>
             <a:endParaRPr lang="en-US"/>
           </a:p>
@@ -4188,7 +4196,7 @@
           <a:p>
             <a:fld id="{D63FAB67-ABD2-4ED9-8E61-D44964D0F135}" type="datetimeFigureOut">
               <a:rPr lang="en-US" smtClean="0"/>
-              <a:t>5/1/2019</a:t>
+              <a:t>5/3/2019</a:t>
             </a:fld>
             <a:endParaRPr lang="en-US"/>
           </a:p>
@@ -4567,7 +4575,7 @@
           <a:p>
             <a:fld id="{D63FAB67-ABD2-4ED9-8E61-D44964D0F135}" type="datetimeFigureOut">
               <a:rPr lang="en-US" smtClean="0"/>
-              <a:t>5/1/2019</a:t>
+              <a:t>5/3/2019</a:t>
             </a:fld>
             <a:endParaRPr lang="en-US"/>
           </a:p>
@@ -4685,7 +4693,7 @@
           <a:p>
             <a:fld id="{D63FAB67-ABD2-4ED9-8E61-D44964D0F135}" type="datetimeFigureOut">
               <a:rPr lang="en-US" smtClean="0"/>
-              <a:t>5/1/2019</a:t>
+              <a:t>5/3/2019</a:t>
             </a:fld>
             <a:endParaRPr lang="en-US"/>
           </a:p>
@@ -4856,7 +4864,7 @@
           <a:p>
             <a:fld id="{D63FAB67-ABD2-4ED9-8E61-D44964D0F135}" type="datetimeFigureOut">
               <a:rPr lang="en-US" smtClean="0"/>
-              <a:t>5/1/2019</a:t>
+              <a:t>5/3/2019</a:t>
             </a:fld>
             <a:endParaRPr lang="en-US"/>
           </a:p>
@@ -5210,7 +5218,7 @@
           <a:p>
             <a:fld id="{D63FAB67-ABD2-4ED9-8E61-D44964D0F135}" type="datetimeFigureOut">
               <a:rPr lang="en-US" smtClean="0"/>
-              <a:t>5/1/2019</a:t>
+              <a:t>5/3/2019</a:t>
             </a:fld>
             <a:endParaRPr lang="en-US"/>
           </a:p>
@@ -5587,7 +5595,7 @@
           <a:p>
             <a:fld id="{D63FAB67-ABD2-4ED9-8E61-D44964D0F135}" type="datetimeFigureOut">
               <a:rPr lang="en-US" smtClean="0"/>
-              <a:t>5/1/2019</a:t>
+              <a:t>5/3/2019</a:t>
             </a:fld>
             <a:endParaRPr lang="en-US"/>
           </a:p>
@@ -5874,7 +5882,7 @@
           <a:p>
             <a:fld id="{D63FAB67-ABD2-4ED9-8E61-D44964D0F135}" type="datetimeFigureOut">
               <a:rPr lang="en-US" smtClean="0"/>
-              <a:t>5/1/2019</a:t>
+              <a:t>5/3/2019</a:t>
             </a:fld>
             <a:endParaRPr lang="en-US"/>
           </a:p>
@@ -7112,7 +7120,7 @@
           <a:p>
             <a:r>
               <a:rPr lang="en-US" sz="2400" dirty="0"/>
-              <a:t>~500 lines of code</a:t>
+              <a:t>~600 lines of code</a:t>
             </a:r>
           </a:p>
           <a:p>
@@ -7319,14 +7327,14 @@
             <p:ph idx="1"/>
             <p:extLst>
               <p:ext uri="{D42A27DB-BD31-4B8C-83A1-F6EECF244321}">
-                <p14:modId xmlns:p14="http://schemas.microsoft.com/office/powerpoint/2010/main" val="2643877633"/>
+                <p14:modId xmlns:p14="http://schemas.microsoft.com/office/powerpoint/2010/main" val="1143954009"/>
               </p:ext>
             </p:extLst>
           </p:nvPr>
         </p:nvGraphicFramePr>
         <p:xfrm>
-          <a:off x="1096963" y="2098515"/>
-          <a:ext cx="10058400" cy="3786080"/>
+          <a:off x="1096963" y="2098514"/>
+          <a:ext cx="10058400" cy="4168935"/>
         </p:xfrm>
         <a:graphic>
           <a:graphicData uri="http://schemas.openxmlformats.org/drawingml/2006/diagram">
@@ -7350,6 +7358,14 @@
 <file path=ppt/slides/slide12.xml><?xml version="1.0" encoding="utf-8"?>
 <p:sld xmlns:a="http://schemas.openxmlformats.org/drawingml/2006/main" xmlns:r="http://schemas.openxmlformats.org/officeDocument/2006/relationships" xmlns:p="http://schemas.openxmlformats.org/presentationml/2006/main">
   <p:cSld>
+    <p:bg>
+      <p:bgPr>
+        <a:solidFill>
+          <a:schemeClr val="bg1"/>
+        </a:solidFill>
+        <a:effectLst/>
+      </p:bgPr>
+    </p:bg>
     <p:spTree>
       <p:nvGrpSpPr>
         <p:cNvPr id="1" name=""/>
@@ -7380,13 +7396,20 @@
             <p:ph type="title"/>
           </p:nvPr>
         </p:nvSpPr>
-        <p:spPr/>
+        <p:spPr>
+          <a:xfrm>
+            <a:off x="1097280" y="286603"/>
+            <a:ext cx="10058400" cy="1450757"/>
+          </a:xfrm>
+        </p:spPr>
         <p:txBody>
-          <a:bodyPr/>
+          <a:bodyPr vert="horz" lIns="91440" tIns="45720" rIns="91440" bIns="45720" rtlCol="0" anchor="b">
+            <a:normAutofit/>
+          </a:bodyPr>
           <a:lstStyle/>
           <a:p>
             <a:r>
-              <a:rPr lang="en-US" dirty="0"/>
+              <a:rPr lang="en-US"/>
               <a:t>Screenshots &amp; Graphs</a:t>
             </a:r>
           </a:p>
@@ -7394,31 +7417,230 @@
       </p:sp>
       <p:sp>
         <p:nvSpPr>
-          <p:cNvPr id="3" name="Content Placeholder 2">
+          <p:cNvPr id="5" name="TextBox 4">
             <a:extLst>
               <a:ext uri="{FF2B5EF4-FFF2-40B4-BE49-F238E27FC236}">
-                <a16:creationId xmlns:a16="http://schemas.microsoft.com/office/drawing/2014/main" id="{436E8465-D788-4C3A-B23F-2B30CDBFE6B3}"/>
+                <a16:creationId xmlns:a16="http://schemas.microsoft.com/office/drawing/2014/main" id="{EC05307A-9D7C-4A92-87E3-C39358B56B4C}"/>
               </a:ext>
             </a:extLst>
           </p:cNvPr>
-          <p:cNvSpPr>
-            <a:spLocks noGrp="1"/>
-          </p:cNvSpPr>
-          <p:nvPr>
-            <p:ph idx="1"/>
-          </p:nvPr>
+          <p:cNvSpPr txBox="1"/>
+          <p:nvPr/>
         </p:nvSpPr>
-        <p:spPr/>
+        <p:spPr>
+          <a:xfrm>
+            <a:off x="6351639" y="1845734"/>
+            <a:ext cx="4804041" cy="4023360"/>
+          </a:xfrm>
+          <a:prstGeom prst="rect">
+            <a:avLst/>
+          </a:prstGeom>
+        </p:spPr>
         <p:txBody>
-          <a:bodyPr>
+          <a:bodyPr vert="horz" lIns="0" tIns="45720" rIns="0" bIns="45720" rtlCol="0">
             <a:normAutofit/>
           </a:bodyPr>
           <a:lstStyle/>
           <a:p>
-            <a:endParaRPr lang="en-US" sz="2400" dirty="0"/>
+            <a:pPr marL="342900" indent="-342900" defTabSz="914400">
+              <a:lnSpc>
+                <a:spcPct val="90000"/>
+              </a:lnSpc>
+              <a:spcAft>
+                <a:spcPts val="600"/>
+              </a:spcAft>
+              <a:buClr>
+                <a:schemeClr val="accent1"/>
+              </a:buClr>
+              <a:buFont typeface="Calibri" panose="020F0502020204030204" pitchFamily="34" charset="0"/>
+              <a:buChar char="•"/>
+            </a:pPr>
+            <a:r>
+              <a:rPr lang="en-US" dirty="0">
+                <a:solidFill>
+                  <a:schemeClr val="tx1">
+                    <a:lumMod val="75000"/>
+                    <a:lumOff val="25000"/>
+                  </a:schemeClr>
+                </a:solidFill>
+              </a:rPr>
+              <a:t>Run-time for 10x10 array of data, with requirement of 5 changeless generations to terminate: ~7 minutes (on the slower of our two laptops)</a:t>
+            </a:r>
+          </a:p>
+          <a:p>
+            <a:pPr marL="342900" indent="-342900" defTabSz="914400">
+              <a:lnSpc>
+                <a:spcPct val="90000"/>
+              </a:lnSpc>
+              <a:spcAft>
+                <a:spcPts val="600"/>
+              </a:spcAft>
+              <a:buClr>
+                <a:schemeClr val="accent1"/>
+              </a:buClr>
+              <a:buFont typeface="Calibri" panose="020F0502020204030204" pitchFamily="34" charset="0"/>
+              <a:buChar char="•"/>
+            </a:pPr>
+            <a:r>
+              <a:rPr lang="en-US" dirty="0">
+                <a:solidFill>
+                  <a:schemeClr val="tx1">
+                    <a:lumMod val="75000"/>
+                    <a:lumOff val="25000"/>
+                  </a:schemeClr>
+                </a:solidFill>
+              </a:rPr>
+              <a:t>Minimum route cost: $337,061.04</a:t>
+            </a:r>
+          </a:p>
+          <a:p>
+            <a:pPr marL="342900" indent="-342900" defTabSz="914400">
+              <a:lnSpc>
+                <a:spcPct val="90000"/>
+              </a:lnSpc>
+              <a:spcAft>
+                <a:spcPts val="600"/>
+              </a:spcAft>
+              <a:buClr>
+                <a:schemeClr val="accent1"/>
+              </a:buClr>
+              <a:buFont typeface="Calibri" panose="020F0502020204030204" pitchFamily="34" charset="0"/>
+              <a:buChar char="•"/>
+            </a:pPr>
+            <a:r>
+              <a:rPr lang="en-US" dirty="0">
+                <a:solidFill>
+                  <a:schemeClr val="tx1">
+                    <a:lumMod val="75000"/>
+                    <a:lumOff val="25000"/>
+                  </a:schemeClr>
+                </a:solidFill>
+              </a:rPr>
+              <a:t>Max cost and average cost both decrease quickly over generations</a:t>
+            </a:r>
+          </a:p>
+          <a:p>
+            <a:pPr marL="342900" indent="-342900" defTabSz="914400">
+              <a:lnSpc>
+                <a:spcPct val="90000"/>
+              </a:lnSpc>
+              <a:spcAft>
+                <a:spcPts val="600"/>
+              </a:spcAft>
+              <a:buClr>
+                <a:schemeClr val="accent1"/>
+              </a:buClr>
+              <a:buFont typeface="Calibri" panose="020F0502020204030204" pitchFamily="34" charset="0"/>
+              <a:buChar char="•"/>
+            </a:pPr>
+            <a:r>
+              <a:rPr lang="en-US" dirty="0">
+                <a:solidFill>
+                  <a:schemeClr val="tx1">
+                    <a:lumMod val="75000"/>
+                    <a:lumOff val="25000"/>
+                  </a:schemeClr>
+                </a:solidFill>
+              </a:rPr>
+              <a:t>The integers 1-5 on the left show the number of generations passed without improvement over the previous</a:t>
+            </a:r>
+          </a:p>
+          <a:p>
+            <a:pPr marL="342900" indent="-342900" defTabSz="914400">
+              <a:lnSpc>
+                <a:spcPct val="90000"/>
+              </a:lnSpc>
+              <a:spcAft>
+                <a:spcPts val="600"/>
+              </a:spcAft>
+              <a:buClr>
+                <a:schemeClr val="accent1"/>
+              </a:buClr>
+              <a:buFont typeface="Calibri" panose="020F0502020204030204" pitchFamily="34" charset="0"/>
+              <a:buChar char="•"/>
+            </a:pPr>
+            <a:endParaRPr lang="en-US" dirty="0">
+              <a:solidFill>
+                <a:schemeClr val="tx1">
+                  <a:lumMod val="75000"/>
+                  <a:lumOff val="25000"/>
+                </a:schemeClr>
+              </a:solidFill>
+            </a:endParaRPr>
           </a:p>
         </p:txBody>
       </p:sp>
+      <p:pic>
+        <p:nvPicPr>
+          <p:cNvPr id="16" name="Picture 15" descr="A close up of a logo&#10;&#10;Description automatically generated">
+            <a:extLst>
+              <a:ext uri="{FF2B5EF4-FFF2-40B4-BE49-F238E27FC236}">
+                <a16:creationId xmlns:a16="http://schemas.microsoft.com/office/drawing/2014/main" id="{2D397854-D07A-435A-A1C5-A47D7C6D8B2E}"/>
+              </a:ext>
+            </a:extLst>
+          </p:cNvPr>
+          <p:cNvPicPr>
+            <a:picLocks noChangeAspect="1"/>
+          </p:cNvPicPr>
+          <p:nvPr/>
+        </p:nvPicPr>
+        <p:blipFill rotWithShape="1">
+          <a:blip r:embed="rId2">
+            <a:extLst>
+              <a:ext uri="{28A0092B-C50C-407E-A947-70E740481C1C}">
+                <a14:useLocalDpi xmlns:a14="http://schemas.microsoft.com/office/drawing/2010/main" val="0"/>
+              </a:ext>
+            </a:extLst>
+          </a:blip>
+          <a:srcRect r="56729" b="8103"/>
+          <a:stretch/>
+        </p:blipFill>
+        <p:spPr>
+          <a:xfrm>
+            <a:off x="204086" y="3299303"/>
+            <a:ext cx="4348864" cy="2941455"/>
+          </a:xfrm>
+          <a:prstGeom prst="rect">
+            <a:avLst/>
+          </a:prstGeom>
+        </p:spPr>
+      </p:pic>
+      <p:pic>
+        <p:nvPicPr>
+          <p:cNvPr id="12" name="Picture 11" descr="A screenshot of a cell phone&#10;&#10;Description automatically generated">
+            <a:extLst>
+              <a:ext uri="{FF2B5EF4-FFF2-40B4-BE49-F238E27FC236}">
+                <a16:creationId xmlns:a16="http://schemas.microsoft.com/office/drawing/2014/main" id="{2ADFD89A-80A2-442F-A0DB-78AB7A73A164}"/>
+              </a:ext>
+            </a:extLst>
+          </p:cNvPr>
+          <p:cNvPicPr>
+            <a:picLocks noChangeAspect="1"/>
+          </p:cNvPicPr>
+          <p:nvPr/>
+        </p:nvPicPr>
+        <p:blipFill>
+          <a:blip r:embed="rId3">
+            <a:extLst>
+              <a:ext uri="{28A0092B-C50C-407E-A947-70E740481C1C}">
+                <a14:useLocalDpi xmlns:a14="http://schemas.microsoft.com/office/drawing/2010/main" val="0"/>
+              </a:ext>
+            </a:extLst>
+          </a:blip>
+          <a:stretch>
+            <a:fillRect/>
+          </a:stretch>
+        </p:blipFill>
+        <p:spPr>
+          <a:xfrm>
+            <a:off x="1896585" y="1902629"/>
+            <a:ext cx="3396442" cy="2867401"/>
+          </a:xfrm>
+          <a:prstGeom prst="rect">
+            <a:avLst/>
+          </a:prstGeom>
+        </p:spPr>
+      </p:pic>
     </p:spTree>
     <p:extLst>
       <p:ext uri="{BB962C8B-B14F-4D97-AF65-F5344CB8AC3E}">
@@ -7454,7 +7676,7 @@
           <p:cNvPr id="2" name="Title 1">
             <a:extLst>
               <a:ext uri="{FF2B5EF4-FFF2-40B4-BE49-F238E27FC236}">
-                <a16:creationId xmlns:a16="http://schemas.microsoft.com/office/drawing/2014/main" id="{D18F089A-E024-4971-B620-B5C07E644F02}"/>
+                <a16:creationId xmlns:a16="http://schemas.microsoft.com/office/drawing/2014/main" id="{B700BE82-2CD5-4C2F-947D-7E66E06DA684}"/>
               </a:ext>
             </a:extLst>
           </p:cNvPr>
@@ -7472,7 +7694,142 @@
           <a:p>
             <a:r>
               <a:rPr lang="en-US" dirty="0"/>
-              <a:t>Result Analysis</a:t>
+              <a:t>Screenshots </a:t>
+            </a:r>
+            <a:r>
+              <a:rPr lang="en-US" dirty="0" err="1"/>
+              <a:t>ct’d</a:t>
+            </a:r>
+            <a:endParaRPr lang="en-US" dirty="0"/>
+          </a:p>
+        </p:txBody>
+      </p:sp>
+      <p:pic>
+        <p:nvPicPr>
+          <p:cNvPr id="5" name="Picture 4" descr="A screenshot of a social media post&#10;&#10;Description automatically generated">
+            <a:extLst>
+              <a:ext uri="{FF2B5EF4-FFF2-40B4-BE49-F238E27FC236}">
+                <a16:creationId xmlns:a16="http://schemas.microsoft.com/office/drawing/2014/main" id="{4CF09BA2-2036-4CB3-8A01-DCFBF4E21C6A}"/>
+              </a:ext>
+            </a:extLst>
+          </p:cNvPr>
+          <p:cNvPicPr>
+            <a:picLocks noChangeAspect="1"/>
+          </p:cNvPicPr>
+          <p:nvPr/>
+        </p:nvPicPr>
+        <p:blipFill>
+          <a:blip r:embed="rId2">
+            <a:extLst>
+              <a:ext uri="{28A0092B-C50C-407E-A947-70E740481C1C}">
+                <a14:useLocalDpi xmlns:a14="http://schemas.microsoft.com/office/drawing/2010/main" val="0"/>
+              </a:ext>
+            </a:extLst>
+          </a:blip>
+          <a:stretch>
+            <a:fillRect/>
+          </a:stretch>
+        </p:blipFill>
+        <p:spPr>
+          <a:xfrm>
+            <a:off x="218455" y="2009577"/>
+            <a:ext cx="8878539" cy="2838846"/>
+          </a:xfrm>
+          <a:prstGeom prst="rect">
+            <a:avLst/>
+          </a:prstGeom>
+        </p:spPr>
+      </p:pic>
+      <p:pic>
+        <p:nvPicPr>
+          <p:cNvPr id="7" name="Picture 6" descr="A screenshot of a cell phone&#10;&#10;Description automatically generated">
+            <a:extLst>
+              <a:ext uri="{FF2B5EF4-FFF2-40B4-BE49-F238E27FC236}">
+                <a16:creationId xmlns:a16="http://schemas.microsoft.com/office/drawing/2014/main" id="{0397C093-BA0B-4091-B336-E2E06D9C2883}"/>
+              </a:ext>
+            </a:extLst>
+          </p:cNvPr>
+          <p:cNvPicPr>
+            <a:picLocks noChangeAspect="1"/>
+          </p:cNvPicPr>
+          <p:nvPr/>
+        </p:nvPicPr>
+        <p:blipFill>
+          <a:blip r:embed="rId3">
+            <a:extLst>
+              <a:ext uri="{28A0092B-C50C-407E-A947-70E740481C1C}">
+                <a14:useLocalDpi xmlns:a14="http://schemas.microsoft.com/office/drawing/2010/main" val="0"/>
+              </a:ext>
+            </a:extLst>
+          </a:blip>
+          <a:stretch>
+            <a:fillRect/>
+          </a:stretch>
+        </p:blipFill>
+        <p:spPr>
+          <a:xfrm>
+            <a:off x="4848225" y="2364389"/>
+            <a:ext cx="4735830" cy="3812306"/>
+          </a:xfrm>
+          <a:prstGeom prst="rect">
+            <a:avLst/>
+          </a:prstGeom>
+        </p:spPr>
+      </p:pic>
+    </p:spTree>
+    <p:extLst>
+      <p:ext uri="{BB962C8B-B14F-4D97-AF65-F5344CB8AC3E}">
+        <p14:creationId xmlns:p14="http://schemas.microsoft.com/office/powerpoint/2010/main" val="3913684432"/>
+      </p:ext>
+    </p:extLst>
+  </p:cSld>
+  <p:clrMapOvr>
+    <a:masterClrMapping/>
+  </p:clrMapOvr>
+</p:sld>
+</file>
+
+<file path=ppt/slides/slide14.xml><?xml version="1.0" encoding="utf-8"?>
+<p:sld xmlns:a="http://schemas.openxmlformats.org/drawingml/2006/main" xmlns:r="http://schemas.openxmlformats.org/officeDocument/2006/relationships" xmlns:p="http://schemas.openxmlformats.org/presentationml/2006/main">
+  <p:cSld>
+    <p:spTree>
+      <p:nvGrpSpPr>
+        <p:cNvPr id="1" name=""/>
+        <p:cNvGrpSpPr/>
+        <p:nvPr/>
+      </p:nvGrpSpPr>
+      <p:grpSpPr>
+        <a:xfrm>
+          <a:off x="0" y="0"/>
+          <a:ext cx="0" cy="0"/>
+          <a:chOff x="0" y="0"/>
+          <a:chExt cx="0" cy="0"/>
+        </a:xfrm>
+      </p:grpSpPr>
+      <p:sp>
+        <p:nvSpPr>
+          <p:cNvPr id="2" name="Title 1">
+            <a:extLst>
+              <a:ext uri="{FF2B5EF4-FFF2-40B4-BE49-F238E27FC236}">
+                <a16:creationId xmlns:a16="http://schemas.microsoft.com/office/drawing/2014/main" id="{FB1F1CD9-C0EF-4DB8-9D73-9A9381A48379}"/>
+              </a:ext>
+            </a:extLst>
+          </p:cNvPr>
+          <p:cNvSpPr>
+            <a:spLocks noGrp="1"/>
+          </p:cNvSpPr>
+          <p:nvPr>
+            <p:ph type="title"/>
+          </p:nvPr>
+        </p:nvSpPr>
+        <p:spPr/>
+        <p:txBody>
+          <a:bodyPr/>
+          <a:lstStyle/>
+          <a:p>
+            <a:r>
+              <a:rPr lang="en-US" dirty="0"/>
+              <a:t>Dummy Data</a:t>
             </a:r>
           </a:p>
         </p:txBody>
@@ -7482,7 +7839,7 @@
           <p:cNvPr id="3" name="Content Placeholder 2">
             <a:extLst>
               <a:ext uri="{FF2B5EF4-FFF2-40B4-BE49-F238E27FC236}">
-                <a16:creationId xmlns:a16="http://schemas.microsoft.com/office/drawing/2014/main" id="{BCEC5FC1-8915-4765-A73E-63F40DD2D9F5}"/>
+                <a16:creationId xmlns:a16="http://schemas.microsoft.com/office/drawing/2014/main" id="{08906069-02A6-450A-8725-1AF1E6E23DC1}"/>
               </a:ext>
             </a:extLst>
           </p:cNvPr>
@@ -7502,8 +7859,161 @@
           <a:p>
             <a:r>
               <a:rPr lang="en-US" sz="2400" dirty="0"/>
-              <a:t>Overall, the algorithm succeeds in finding the most direct, least costly, and shortest path for a given data set and set of weights</a:t>
-            </a:r>
+              <a:t>At first, randomly generated array</a:t>
+            </a:r>
+          </a:p>
+          <a:p>
+            <a:r>
+              <a:rPr lang="en-US" sz="2400" dirty="0"/>
+              <a:t>Eventually, we switched to a custom-made data set that had natural differences in elevation and areas that the algorithm deemed impassable</a:t>
+            </a:r>
+          </a:p>
+        </p:txBody>
+      </p:sp>
+      <p:pic>
+        <p:nvPicPr>
+          <p:cNvPr id="7" name="Picture 6" descr="A screenshot of a computer&#10;&#10;Description automatically generated">
+            <a:extLst>
+              <a:ext uri="{FF2B5EF4-FFF2-40B4-BE49-F238E27FC236}">
+                <a16:creationId xmlns:a16="http://schemas.microsoft.com/office/drawing/2014/main" id="{927824D0-F767-4E90-BD69-6F9ED8806BA3}"/>
+              </a:ext>
+            </a:extLst>
+          </p:cNvPr>
+          <p:cNvPicPr>
+            <a:picLocks noChangeAspect="1"/>
+          </p:cNvPicPr>
+          <p:nvPr/>
+        </p:nvPicPr>
+        <p:blipFill>
+          <a:blip r:embed="rId2">
+            <a:extLst>
+              <a:ext uri="{28A0092B-C50C-407E-A947-70E740481C1C}">
+                <a14:useLocalDpi xmlns:a14="http://schemas.microsoft.com/office/drawing/2010/main" val="0"/>
+              </a:ext>
+            </a:extLst>
+          </a:blip>
+          <a:stretch>
+            <a:fillRect/>
+          </a:stretch>
+        </p:blipFill>
+        <p:spPr>
+          <a:xfrm>
+            <a:off x="1277578" y="3161871"/>
+            <a:ext cx="9697803" cy="3077004"/>
+          </a:xfrm>
+          <a:prstGeom prst="rect">
+            <a:avLst/>
+          </a:prstGeom>
+        </p:spPr>
+      </p:pic>
+    </p:spTree>
+    <p:extLst>
+      <p:ext uri="{BB962C8B-B14F-4D97-AF65-F5344CB8AC3E}">
+        <p14:creationId xmlns:p14="http://schemas.microsoft.com/office/powerpoint/2010/main" val="4030070615"/>
+      </p:ext>
+    </p:extLst>
+  </p:cSld>
+  <p:clrMapOvr>
+    <a:masterClrMapping/>
+  </p:clrMapOvr>
+</p:sld>
+</file>
+
+<file path=ppt/slides/slide15.xml><?xml version="1.0" encoding="utf-8"?>
+<p:sld xmlns:a="http://schemas.openxmlformats.org/drawingml/2006/main" xmlns:r="http://schemas.openxmlformats.org/officeDocument/2006/relationships" xmlns:p="http://schemas.openxmlformats.org/presentationml/2006/main">
+  <p:cSld>
+    <p:spTree>
+      <p:nvGrpSpPr>
+        <p:cNvPr id="1" name=""/>
+        <p:cNvGrpSpPr/>
+        <p:nvPr/>
+      </p:nvGrpSpPr>
+      <p:grpSpPr>
+        <a:xfrm>
+          <a:off x="0" y="0"/>
+          <a:ext cx="0" cy="0"/>
+          <a:chOff x="0" y="0"/>
+          <a:chExt cx="0" cy="0"/>
+        </a:xfrm>
+      </p:grpSpPr>
+      <p:sp>
+        <p:nvSpPr>
+          <p:cNvPr id="2" name="Title 1">
+            <a:extLst>
+              <a:ext uri="{FF2B5EF4-FFF2-40B4-BE49-F238E27FC236}">
+                <a16:creationId xmlns:a16="http://schemas.microsoft.com/office/drawing/2014/main" id="{D18F089A-E024-4971-B620-B5C07E644F02}"/>
+              </a:ext>
+            </a:extLst>
+          </p:cNvPr>
+          <p:cNvSpPr>
+            <a:spLocks noGrp="1"/>
+          </p:cNvSpPr>
+          <p:nvPr>
+            <p:ph type="title"/>
+          </p:nvPr>
+        </p:nvSpPr>
+        <p:spPr/>
+        <p:txBody>
+          <a:bodyPr/>
+          <a:lstStyle/>
+          <a:p>
+            <a:r>
+              <a:rPr lang="en-US" dirty="0"/>
+              <a:t>Result Analysis</a:t>
+            </a:r>
+          </a:p>
+        </p:txBody>
+      </p:sp>
+      <p:sp>
+        <p:nvSpPr>
+          <p:cNvPr id="3" name="Content Placeholder 2">
+            <a:extLst>
+              <a:ext uri="{FF2B5EF4-FFF2-40B4-BE49-F238E27FC236}">
+                <a16:creationId xmlns:a16="http://schemas.microsoft.com/office/drawing/2014/main" id="{BCEC5FC1-8915-4765-A73E-63F40DD2D9F5}"/>
+              </a:ext>
+            </a:extLst>
+          </p:cNvPr>
+          <p:cNvSpPr>
+            <a:spLocks noGrp="1"/>
+          </p:cNvSpPr>
+          <p:nvPr>
+            <p:ph idx="1"/>
+          </p:nvPr>
+        </p:nvSpPr>
+        <p:spPr/>
+        <p:txBody>
+          <a:bodyPr>
+            <a:normAutofit/>
+          </a:bodyPr>
+          <a:lstStyle/>
+          <a:p>
+            <a:r>
+              <a:rPr lang="en-US" sz="2400" dirty="0"/>
+              <a:t>Overall, the algorithm succeeds in finding a direct, efficient, and low-cost route between cities: due to the nature of genetic algorithms, it is difficult to determine if the solutions it presents are </a:t>
+            </a:r>
+            <a:r>
+              <a:rPr lang="en-US" sz="2400" i="1" dirty="0"/>
+              <a:t>the</a:t>
+            </a:r>
+            <a:r>
+              <a:rPr lang="en-US" sz="2400" dirty="0"/>
+              <a:t> optimal ones</a:t>
+            </a:r>
+          </a:p>
+          <a:p>
+            <a:r>
+              <a:rPr lang="en-US" sz="2400" dirty="0"/>
+              <a:t>For example, with randomly generated data, the algorithm repeatedly found a route of significantly less cost than the original solutions: </a:t>
+            </a:r>
+          </a:p>
+          <a:p>
+            <a:r>
+              <a:rPr lang="en-US" sz="2400" dirty="0"/>
+              <a:t>i.e. an initial cost of 1314302.42 is reduced to 306618.28</a:t>
+            </a:r>
+          </a:p>
+          <a:p>
+            <a:endParaRPr lang="en-US" sz="2400" dirty="0"/>
           </a:p>
         </p:txBody>
       </p:sp>
@@ -7511,6 +8021,117 @@
     <p:extLst>
       <p:ext uri="{BB962C8B-B14F-4D97-AF65-F5344CB8AC3E}">
         <p14:creationId xmlns:p14="http://schemas.microsoft.com/office/powerpoint/2010/main" val="1807531617"/>
+      </p:ext>
+    </p:extLst>
+  </p:cSld>
+  <p:clrMapOvr>
+    <a:masterClrMapping/>
+  </p:clrMapOvr>
+</p:sld>
+</file>
+
+<file path=ppt/slides/slide16.xml><?xml version="1.0" encoding="utf-8"?>
+<p:sld xmlns:a="http://schemas.openxmlformats.org/drawingml/2006/main" xmlns:r="http://schemas.openxmlformats.org/officeDocument/2006/relationships" xmlns:p="http://schemas.openxmlformats.org/presentationml/2006/main">
+  <p:cSld>
+    <p:spTree>
+      <p:nvGrpSpPr>
+        <p:cNvPr id="1" name=""/>
+        <p:cNvGrpSpPr/>
+        <p:nvPr/>
+      </p:nvGrpSpPr>
+      <p:grpSpPr>
+        <a:xfrm>
+          <a:off x="0" y="0"/>
+          <a:ext cx="0" cy="0"/>
+          <a:chOff x="0" y="0"/>
+          <a:chExt cx="0" cy="0"/>
+        </a:xfrm>
+      </p:grpSpPr>
+      <p:sp>
+        <p:nvSpPr>
+          <p:cNvPr id="2" name="Title 1">
+            <a:extLst>
+              <a:ext uri="{FF2B5EF4-FFF2-40B4-BE49-F238E27FC236}">
+                <a16:creationId xmlns:a16="http://schemas.microsoft.com/office/drawing/2014/main" id="{927EF3E5-D11F-4439-BA4B-5DEBDE95398C}"/>
+              </a:ext>
+            </a:extLst>
+          </p:cNvPr>
+          <p:cNvSpPr>
+            <a:spLocks noGrp="1"/>
+          </p:cNvSpPr>
+          <p:nvPr>
+            <p:ph type="title"/>
+          </p:nvPr>
+        </p:nvSpPr>
+        <p:spPr/>
+        <p:txBody>
+          <a:bodyPr/>
+          <a:lstStyle/>
+          <a:p>
+            <a:r>
+              <a:rPr lang="en-US" dirty="0"/>
+              <a:t>Analysis </a:t>
+            </a:r>
+            <a:r>
+              <a:rPr lang="en-US" dirty="0" err="1"/>
+              <a:t>ct’d</a:t>
+            </a:r>
+            <a:endParaRPr lang="en-US" dirty="0"/>
+          </a:p>
+        </p:txBody>
+      </p:sp>
+      <p:sp>
+        <p:nvSpPr>
+          <p:cNvPr id="3" name="Content Placeholder 2">
+            <a:extLst>
+              <a:ext uri="{FF2B5EF4-FFF2-40B4-BE49-F238E27FC236}">
+                <a16:creationId xmlns:a16="http://schemas.microsoft.com/office/drawing/2014/main" id="{91320CB5-1AF6-4CD2-910C-5F48342355D4}"/>
+              </a:ext>
+            </a:extLst>
+          </p:cNvPr>
+          <p:cNvSpPr>
+            <a:spLocks noGrp="1"/>
+          </p:cNvSpPr>
+          <p:nvPr>
+            <p:ph idx="1"/>
+          </p:nvPr>
+        </p:nvSpPr>
+        <p:spPr/>
+        <p:txBody>
+          <a:bodyPr>
+            <a:normAutofit/>
+          </a:bodyPr>
+          <a:lstStyle/>
+          <a:p>
+            <a:r>
+              <a:rPr lang="en-US" sz="2400" dirty="0"/>
+              <a:t>In conclusion, despite the solid results it delivers, this algorithm is probably not the best choice for solving this particular problem</a:t>
+            </a:r>
+          </a:p>
+          <a:p>
+            <a:r>
+              <a:rPr lang="en-US" sz="2400" dirty="0"/>
+              <a:t>Takes a long time to run</a:t>
+            </a:r>
+          </a:p>
+          <a:p>
+            <a:r>
+              <a:rPr lang="en-US" sz="2400" dirty="0"/>
+              <a:t>May be possible to use dynamic programming or other algorithmic methods to reduce runtime and improve performance</a:t>
+            </a:r>
+          </a:p>
+          <a:p>
+            <a:r>
+              <a:rPr lang="en-US" sz="2400" dirty="0"/>
+              <a:t>We learned an awful lot about genetic algorithms and the principles behind them over the course of this project</a:t>
+            </a:r>
+          </a:p>
+        </p:txBody>
+      </p:sp>
+    </p:spTree>
+    <p:extLst>
+      <p:ext uri="{BB962C8B-B14F-4D97-AF65-F5344CB8AC3E}">
+        <p14:creationId xmlns:p14="http://schemas.microsoft.com/office/powerpoint/2010/main" val="555308323"/>
       </p:ext>
     </p:extLst>
   </p:cSld>
